--- a/slides/soilwise-fruifull-may25.pptx
+++ b/slides/soilwise-fruifull-may25.pptx
@@ -14,6 +14,7 @@
     <p:sldId id="262" r:id="rId8"/>
     <p:sldId id="263" r:id="rId9"/>
     <p:sldId id="264" r:id="rId10"/>
+    <p:sldId id="265" r:id="rId11"/>
   </p:sldIdLst>
   <p:sldSz cx="9144000" cy="5143500" type="screen16x9"/>
   <p:notesSz cx="6858000" cy="9144000"/>
@@ -3194,6 +3195,107 @@
 </p:sld>
 </file>
 
+<file path=ppt/slides/slide10.xml><?xml version="1.0" encoding="utf-8"?>
+<p:sld xmlns:a="http://schemas.openxmlformats.org/drawingml/2006/main" xmlns:r="http://schemas.openxmlformats.org/officeDocument/2006/relationships" xmlns:p="http://schemas.openxmlformats.org/presentationml/2006/main">
+  <p:cSld>
+    <p:spTree>
+      <p:nvGrpSpPr>
+        <p:cNvPr id="1" name=""/>
+        <p:cNvGrpSpPr/>
+        <p:nvPr/>
+      </p:nvGrpSpPr>
+      <p:grpSpPr>
+        <a:xfrm>
+          <a:off x="0" y="0"/>
+          <a:ext cx="0" cy="0"/>
+          <a:chOff x="0" y="0"/>
+          <a:chExt cx="0" cy="0"/>
+        </a:xfrm>
+      </p:grpSpPr>
+      <p:sp>
+        <p:nvSpPr>
+          <p:cNvPr id="2" name="Title 1"/>
+          <p:cNvSpPr>
+            <a:spLocks noGrp="1"/>
+          </p:cNvSpPr>
+          <p:nvPr>
+            <p:ph type="title"/>
+          </p:nvPr>
+        </p:nvSpPr>
+        <p:spPr/>
+        <p:txBody>
+          <a:bodyPr/>
+          <a:lstStyle/>
+          <a:p>
+            <a:pPr lvl="0" indent="0" marL="0">
+              <a:buNone/>
+            </a:pPr>
+            <a:r>
+              <a:rPr/>
+              <a:t>What’s in it for ISRIC?</a:t>
+            </a:r>
+          </a:p>
+        </p:txBody>
+      </p:sp>
+      <p:sp>
+        <p:nvSpPr>
+          <p:cNvPr id="3" name="Content Placeholder 2"/>
+          <p:cNvSpPr>
+            <a:spLocks noGrp="1"/>
+          </p:cNvSpPr>
+          <p:nvPr>
+            <p:ph idx="1"/>
+          </p:nvPr>
+        </p:nvSpPr>
+        <p:spPr/>
+        <p:txBody>
+          <a:bodyPr/>
+          <a:lstStyle/>
+          <a:p>
+            <a:pPr lvl="0"/>
+            <a:r>
+              <a:rPr/>
+              <a:t>The </a:t>
+            </a:r>
+            <a:r>
+              <a:rPr>
+                <a:latin typeface="Courier"/>
+              </a:rPr>
+              <a:t>resource outcomes publication strategy</a:t>
+            </a:r>
+            <a:r>
+              <a:rPr/>
+              <a:t> will be a good input to an updated ISRIC strategy</a:t>
+            </a:r>
+          </a:p>
+          <a:p>
+            <a:pPr lvl="0"/>
+            <a:r>
+              <a:rPr/>
+              <a:t>The data harmonisation efforts and guidance will be an interesting source for future WOSIS and NSIS developments</a:t>
+            </a:r>
+          </a:p>
+          <a:p>
+            <a:pPr lvl="0"/>
+            <a:r>
+              <a:rPr/>
+              <a:t>A lot of practical experience in generative AI is collected, which will be of interest to future ISRIC projects</a:t>
+            </a:r>
+          </a:p>
+          <a:p>
+            <a:pPr lvl="0"/>
+            <a:r>
+              <a:rPr/>
+              <a:t>The novel catalogue components can be used in subsequent projects (AUSO, LSC)</a:t>
+            </a:r>
+          </a:p>
+        </p:txBody>
+      </p:sp>
+    </p:spTree>
+  </p:cSld>
+</p:sld>
+</file>
+
 <file path=ppt/slides/slide2.xml><?xml version="1.0" encoding="utf-8"?>
 <p:sld xmlns:a="http://schemas.openxmlformats.org/drawingml/2006/main" xmlns:r="http://schemas.openxmlformats.org/officeDocument/2006/relationships" xmlns:p="http://schemas.openxmlformats.org/presentationml/2006/main">
   <p:cSld>
@@ -3231,7 +3333,7 @@
             </a:pPr>
             <a:r>
               <a:rPr/>
-              <a:t>SoilWise Overview</a:t>
+              <a:t>SoilWise Overview (2023-2027)</a:t>
             </a:r>
           </a:p>
         </p:txBody>
@@ -3322,7 +3424,7 @@
             </a:pPr>
             <a:r>
               <a:rPr/>
-              <a:t>Data publication strategy</a:t>
+              <a:t>Overall findings</a:t>
             </a:r>
           </a:p>
         </p:txBody>
@@ -3345,14 +3447,21 @@
             <a:pPr lvl="0"/>
             <a:r>
               <a:rPr/>
-              <a:t>Capacity building on existing REA guidelines</a:t>
+              <a:t>Difficult to identify on which aspects the project can contribute</a:t>
             </a:r>
           </a:p>
           <a:p>
             <a:pPr lvl="0"/>
             <a:r>
               <a:rPr/>
-              <a:t>Research existing and develop new conventions on top of REA guidelines to facilitate the Soil Data Community</a:t>
+              <a:t>Many technological partners on the project, limited soil researchers</a:t>
+            </a:r>
+          </a:p>
+          <a:p>
+            <a:pPr lvl="0"/>
+            <a:r>
+              <a:rPr/>
+              <a:t>Should we focus on improved technology, capacity building or showing where the gaps are</a:t>
             </a:r>
           </a:p>
         </p:txBody>
@@ -3399,7 +3508,7 @@
             </a:pPr>
             <a:r>
               <a:rPr/>
-              <a:t>Existing guidelines</a:t>
+              <a:t>Data publication strategy</a:t>
             </a:r>
           </a:p>
         </p:txBody>
@@ -3422,28 +3531,14 @@
             <a:pPr lvl="0"/>
             <a:r>
               <a:rPr/>
-              <a:t>Publish datasets and articles on endorsed repositories (is it persistent and harvested by OpenAire?)</a:t>
+              <a:t>Capacity building on existing REA guidelines</a:t>
             </a:r>
           </a:p>
           <a:p>
             <a:pPr lvl="0"/>
             <a:r>
               <a:rPr/>
-              <a:t>Annotate the funding mechanism (Horizon Europe)</a:t>
-            </a:r>
-          </a:p>
-          <a:p>
-            <a:pPr lvl="0"/>
-            <a:r>
-              <a:rPr/>
-              <a:t>Publish supplemental materials (datasets) as individual assets</a:t>
-            </a:r>
-          </a:p>
-          <a:p>
-            <a:pPr lvl="0"/>
-            <a:r>
-              <a:rPr/>
-              <a:t>Use terms from common vocabularies (Gemet, AgroVoc, iso11074) as subject in metadata</a:t>
+              <a:t>Research existing and develop new conventions on top of REA guidelines to facilitate the Soil Data Community</a:t>
             </a:r>
           </a:p>
         </p:txBody>
@@ -3490,7 +3585,7 @@
             </a:pPr>
             <a:r>
               <a:rPr/>
-              <a:t>Existing and new conventions</a:t>
+              <a:t>Existing guidelines</a:t>
             </a:r>
           </a:p>
         </p:txBody>
@@ -3513,7 +3608,28 @@
             <a:pPr lvl="0"/>
             <a:r>
               <a:rPr/>
-              <a:t>Describe a datamodel (colums of a dataset) using common vocabularies (iso28258, glosolan, glosis-ld, inspire)</a:t>
+              <a:t>Publish datasets and articles on endorsed repositories (is it persistent and harvested by OpenAire?)</a:t>
+            </a:r>
+          </a:p>
+          <a:p>
+            <a:pPr lvl="0"/>
+            <a:r>
+              <a:rPr/>
+              <a:t>Annotate the funding mechanism (Horizon Europe)</a:t>
+            </a:r>
+          </a:p>
+          <a:p>
+            <a:pPr lvl="0"/>
+            <a:r>
+              <a:rPr/>
+              <a:t>Publish supplemental materials (datasets) as individual assets</a:t>
+            </a:r>
+          </a:p>
+          <a:p>
+            <a:pPr lvl="0"/>
+            <a:r>
+              <a:rPr/>
+              <a:t>Use terms from common vocabularies (Gemet, AgroVoc, iso11074) as subject in metadata</a:t>
             </a:r>
           </a:p>
         </p:txBody>
@@ -3560,7 +3676,7 @@
             </a:pPr>
             <a:r>
               <a:rPr/>
-              <a:t>Catalogue vs Repository</a:t>
+              <a:t>Existing and new conventions</a:t>
             </a:r>
           </a:p>
         </p:txBody>
@@ -3583,21 +3699,7 @@
             <a:pPr lvl="0"/>
             <a:r>
               <a:rPr/>
-              <a:t>A catalogue typically ingests metadata from various sources on a specific domain</a:t>
-            </a:r>
-          </a:p>
-          <a:p>
-            <a:pPr lvl="0"/>
-            <a:r>
-              <a:rPr/>
-              <a:t>A repository archives resources with relevant metadata, typically identified by a DOI</a:t>
-            </a:r>
-          </a:p>
-          <a:p>
-            <a:pPr lvl="0"/>
-            <a:r>
-              <a:rPr/>
-              <a:t>Grant agreement claims SoilWise is a repository, we consider it a catalogue</a:t>
+              <a:t>Describe a datamodel (colums of a dataset) using common vocabularies (iso28258, glosolan, glosis-ld, inspire)</a:t>
             </a:r>
           </a:p>
         </p:txBody>
@@ -3644,7 +3746,7 @@
             </a:pPr>
             <a:r>
               <a:rPr/>
-              <a:t>Catalogue development</a:t>
+              <a:t>Catalogue vs Repository</a:t>
             </a:r>
           </a:p>
         </p:txBody>
@@ -3667,35 +3769,21 @@
             <a:pPr lvl="0"/>
             <a:r>
               <a:rPr/>
-              <a:t>Starting point was the catalogue development for LSC, S4A, EJP</a:t>
+              <a:t>A catalogue typically ingests metadata from various sources on a specific domain</a:t>
             </a:r>
           </a:p>
           <a:p>
             <a:pPr lvl="0"/>
             <a:r>
               <a:rPr/>
-              <a:t>Extended with harvesting workflows, metadata is persisted in a postgres database</a:t>
+              <a:t>A repository archives resources with relevant metadata, typically identified by a DOI</a:t>
             </a:r>
           </a:p>
           <a:p>
             <a:pPr lvl="0"/>
             <a:r>
               <a:rPr/>
-              <a:t>A SOLR backend is used for performance reasons</a:t>
-            </a:r>
-          </a:p>
-          <a:p>
-            <a:pPr lvl="0"/>
-            <a:r>
-              <a:rPr/>
-              <a:t>A link checker runs through all links in the catalogue on a weekly basis</a:t>
-            </a:r>
-          </a:p>
-          <a:p>
-            <a:pPr lvl="0"/>
-            <a:r>
-              <a:rPr/>
-              <a:t>Metadata is enriched using QA processes, partially based on NLP/LLM</a:t>
+              <a:t>Grant agreement claims SoilWise is a repository, we consider it a catalogue</a:t>
             </a:r>
           </a:p>
         </p:txBody>
@@ -3742,7 +3830,7 @@
             </a:pPr>
             <a:r>
               <a:rPr/>
-              <a:t>Soil data harmonisation</a:t>
+              <a:t>Catalogue development</a:t>
             </a:r>
           </a:p>
         </p:txBody>
@@ -3765,14 +3853,35 @@
             <a:pPr lvl="0"/>
             <a:r>
               <a:rPr/>
-              <a:t>The Soil Health Knowledge Graph aims to provide a standardised vocabulary for SoilHealth related projects</a:t>
+              <a:t>Starting point was the catalogue development for LSC, S4A, EJP</a:t>
             </a:r>
           </a:p>
           <a:p>
             <a:pPr lvl="0"/>
             <a:r>
               <a:rPr/>
-              <a:t>Data harmonisation efforts aim to find new approaches for harmonizing soil data, while keeping additional efforts by the soil scientisits at minimum</a:t>
+              <a:t>Extended with harvesting workflows, metadata is persisted in a postgres database</a:t>
+            </a:r>
+          </a:p>
+          <a:p>
+            <a:pPr lvl="0"/>
+            <a:r>
+              <a:rPr/>
+              <a:t>A SOLR backend is used for performance reasons</a:t>
+            </a:r>
+          </a:p>
+          <a:p>
+            <a:pPr lvl="0"/>
+            <a:r>
+              <a:rPr/>
+              <a:t>A link checker runs through all links in the catalogue on a weekly basis</a:t>
+            </a:r>
+          </a:p>
+          <a:p>
+            <a:pPr lvl="0"/>
+            <a:r>
+              <a:rPr/>
+              <a:t>Metadata is enriched using QA processes, partially based on NLP/LLM</a:t>
             </a:r>
           </a:p>
         </p:txBody>
@@ -3819,7 +3928,7 @@
             </a:pPr>
             <a:r>
               <a:rPr/>
-              <a:t>What’s in it for ISRIC?</a:t>
+              <a:t>Soil data harmonisation</a:t>
             </a:r>
           </a:p>
         </p:txBody>
@@ -3842,28 +3951,14 @@
             <a:pPr lvl="0"/>
             <a:r>
               <a:rPr/>
-              <a:t>The resource outcomes publication strategy will be an good input to an updated ISRIC strategy</a:t>
+              <a:t>The Soil Health Knowledge Graph aims to provide a standardised vocabulary for SoilHealth related projects</a:t>
             </a:r>
           </a:p>
           <a:p>
             <a:pPr lvl="0"/>
             <a:r>
               <a:rPr/>
-              <a:t>The data harmonisation efforts and guidance will be an interesting source for future WOSIS and NSIS developments</a:t>
-            </a:r>
-          </a:p>
-          <a:p>
-            <a:pPr lvl="0"/>
-            <a:r>
-              <a:rPr/>
-              <a:t>A lot of practical experience in generative AI is collected, which will be of interest to future ISRIC projects</a:t>
-            </a:r>
-          </a:p>
-          <a:p>
-            <a:pPr lvl="0"/>
-            <a:r>
-              <a:rPr/>
-              <a:t>The novel catalogue components can be used in subsequent projects (AUSO, LSC)</a:t>
+              <a:t>Data harmonisation efforts aim to find new approaches for harmonizing soil data, while keeping additional efforts by the soil scientisits at minimum</a:t>
             </a:r>
           </a:p>
         </p:txBody>
